--- a/2_Getting_Data.pptx
+++ b/2_Getting_Data.pptx
@@ -5,28 +5,30 @@
     <p:sldMasterId id="2147484703" r:id="rId1"/>
   </p:sldMasterIdLst>
   <p:notesMasterIdLst>
-    <p:notesMasterId r:id="rId18"/>
+    <p:notesMasterId r:id="rId20"/>
   </p:notesMasterIdLst>
   <p:handoutMasterIdLst>
-    <p:handoutMasterId r:id="rId19"/>
+    <p:handoutMasterId r:id="rId21"/>
   </p:handoutMasterIdLst>
   <p:sldIdLst>
     <p:sldId id="352" r:id="rId2"/>
     <p:sldId id="342" r:id="rId3"/>
-    <p:sldId id="554" r:id="rId4"/>
-    <p:sldId id="372" r:id="rId5"/>
-    <p:sldId id="547" r:id="rId6"/>
-    <p:sldId id="551" r:id="rId7"/>
-    <p:sldId id="552" r:id="rId8"/>
-    <p:sldId id="553" r:id="rId9"/>
-    <p:sldId id="558" r:id="rId10"/>
-    <p:sldId id="557" r:id="rId11"/>
-    <p:sldId id="561" r:id="rId12"/>
-    <p:sldId id="562" r:id="rId13"/>
-    <p:sldId id="563" r:id="rId14"/>
-    <p:sldId id="564" r:id="rId15"/>
-    <p:sldId id="565" r:id="rId16"/>
-    <p:sldId id="343" r:id="rId17"/>
+    <p:sldId id="366" r:id="rId4"/>
+    <p:sldId id="367" r:id="rId5"/>
+    <p:sldId id="554" r:id="rId6"/>
+    <p:sldId id="372" r:id="rId7"/>
+    <p:sldId id="547" r:id="rId8"/>
+    <p:sldId id="551" r:id="rId9"/>
+    <p:sldId id="552" r:id="rId10"/>
+    <p:sldId id="553" r:id="rId11"/>
+    <p:sldId id="558" r:id="rId12"/>
+    <p:sldId id="557" r:id="rId13"/>
+    <p:sldId id="561" r:id="rId14"/>
+    <p:sldId id="562" r:id="rId15"/>
+    <p:sldId id="563" r:id="rId16"/>
+    <p:sldId id="564" r:id="rId17"/>
+    <p:sldId id="565" r:id="rId18"/>
+    <p:sldId id="343" r:id="rId19"/>
   </p:sldIdLst>
   <p:sldSz cx="12192000" cy="6858000"/>
   <p:notesSz cx="6858000" cy="9144000"/>
@@ -229,7 +231,7 @@
           <a:p>
             <a:fld id="{73D5C047-4BF6-2244-A5E3-D41B1218D9A5}" type="datetimeFigureOut">
               <a:rPr lang="en-GB" smtClean="0"/>
-              <a:t>02/04/2025</a:t>
+              <a:t>25/08/2025</a:t>
             </a:fld>
             <a:endParaRPr lang="en-GB" dirty="0"/>
           </a:p>
@@ -394,7 +396,7 @@
           <a:p>
             <a:fld id="{8A376A05-844D-A64C-9434-FF3712A59FB6}" type="datetimeFigureOut">
               <a:rPr lang="en-GB" smtClean="0"/>
-              <a:t>02/04/2025</a:t>
+              <a:t>25/08/2025</a:t>
             </a:fld>
             <a:endParaRPr lang="en-GB" dirty="0"/>
           </a:p>
@@ -845,7 +847,7 @@
     </p:spTree>
     <p:extLst>
       <p:ext uri="{BB962C8B-B14F-4D97-AF65-F5344CB8AC3E}">
-        <p14:creationId xmlns:p14="http://schemas.microsoft.com/office/powerpoint/2010/main" val="853724158"/>
+        <p14:creationId xmlns:p14="http://schemas.microsoft.com/office/powerpoint/2010/main" val="2500339233"/>
       </p:ext>
     </p:extLst>
   </p:cSld>
@@ -929,7 +931,7 @@
     </p:spTree>
     <p:extLst>
       <p:ext uri="{BB962C8B-B14F-4D97-AF65-F5344CB8AC3E}">
-        <p14:creationId xmlns:p14="http://schemas.microsoft.com/office/powerpoint/2010/main" val="1983839605"/>
+        <p14:creationId xmlns:p14="http://schemas.microsoft.com/office/powerpoint/2010/main" val="1853071331"/>
       </p:ext>
     </p:extLst>
   </p:cSld>
@@ -1002,78 +1004,18 @@
           <a:bodyPr/>
           <a:lstStyle/>
           <a:p>
-            <a:pPr marL="0" marR="0" lvl="0" indent="0" algn="r" defTabSz="914400" rtl="0" eaLnBrk="1" fontAlgn="auto" latinLnBrk="0" hangingPunct="1">
-              <a:lnSpc>
-                <a:spcPct val="100000"/>
-              </a:lnSpc>
-              <a:spcBef>
-                <a:spcPts val="0"/>
-              </a:spcBef>
-              <a:spcAft>
-                <a:spcPts val="0"/>
-              </a:spcAft>
-              <a:buClrTx/>
-              <a:buSzTx/>
-              <a:buFontTx/>
-              <a:buNone/>
-              <a:tabLst/>
-              <a:defRPr/>
-            </a:pPr>
             <a:fld id="{8C52AA8E-9499-6D4A-B4B6-3DB76C4F8462}" type="slidenum">
-              <a:rPr kumimoji="0" lang="en-US" sz="1200" b="0" i="0" u="none" strike="noStrike" kern="1200" cap="none" spc="0" normalizeH="0" baseline="0" noProof="0" smtClean="0">
-                <a:ln>
-                  <a:noFill/>
-                </a:ln>
-                <a:solidFill>
-                  <a:prstClr val="black"/>
-                </a:solidFill>
-                <a:effectLst/>
-                <a:uLnTx/>
-                <a:uFillTx/>
-                <a:latin typeface="Calibri" panose="020F0502020204030204"/>
-                <a:ea typeface="+mn-ea"/>
-                <a:cs typeface="+mn-cs"/>
-              </a:rPr>
-              <a:pPr marL="0" marR="0" lvl="0" indent="0" algn="r" defTabSz="914400" rtl="0" eaLnBrk="1" fontAlgn="auto" latinLnBrk="0" hangingPunct="1">
-                <a:lnSpc>
-                  <a:spcPct val="100000"/>
-                </a:lnSpc>
-                <a:spcBef>
-                  <a:spcPts val="0"/>
-                </a:spcBef>
-                <a:spcAft>
-                  <a:spcPts val="0"/>
-                </a:spcAft>
-                <a:buClrTx/>
-                <a:buSzTx/>
-                <a:buFontTx/>
-                <a:buNone/>
-                <a:tabLst/>
-                <a:defRPr/>
-              </a:pPr>
+              <a:rPr lang="en-US" smtClean="0"/>
               <a:t>12</a:t>
             </a:fld>
-            <a:endParaRPr kumimoji="0" lang="en-US" sz="1200" b="0" i="0" u="none" strike="noStrike" kern="1200" cap="none" spc="0" normalizeH="0" baseline="0" noProof="0" dirty="0">
-              <a:ln>
-                <a:noFill/>
-              </a:ln>
-              <a:solidFill>
-                <a:prstClr val="black"/>
-              </a:solidFill>
-              <a:effectLst/>
-              <a:uLnTx/>
-              <a:uFillTx/>
-              <a:latin typeface="Calibri" panose="020F0502020204030204"/>
-              <a:ea typeface="+mn-ea"/>
-              <a:cs typeface="+mn-cs"/>
-            </a:endParaRPr>
+            <a:endParaRPr lang="en-US" dirty="0"/>
           </a:p>
         </p:txBody>
       </p:sp>
     </p:spTree>
     <p:extLst>
       <p:ext uri="{BB962C8B-B14F-4D97-AF65-F5344CB8AC3E}">
-        <p14:creationId xmlns:p14="http://schemas.microsoft.com/office/powerpoint/2010/main" val="3113920263"/>
+        <p14:creationId xmlns:p14="http://schemas.microsoft.com/office/powerpoint/2010/main" val="853724158"/>
       </p:ext>
     </p:extLst>
   </p:cSld>
@@ -1157,7 +1099,7 @@
     </p:spTree>
     <p:extLst>
       <p:ext uri="{BB962C8B-B14F-4D97-AF65-F5344CB8AC3E}">
-        <p14:creationId xmlns:p14="http://schemas.microsoft.com/office/powerpoint/2010/main" val="1706363560"/>
+        <p14:creationId xmlns:p14="http://schemas.microsoft.com/office/powerpoint/2010/main" val="1983839605"/>
       </p:ext>
     </p:extLst>
   </p:cSld>
@@ -1301,7 +1243,7 @@
     </p:spTree>
     <p:extLst>
       <p:ext uri="{BB962C8B-B14F-4D97-AF65-F5344CB8AC3E}">
-        <p14:creationId xmlns:p14="http://schemas.microsoft.com/office/powerpoint/2010/main" val="2999045306"/>
+        <p14:creationId xmlns:p14="http://schemas.microsoft.com/office/powerpoint/2010/main" val="3113920263"/>
       </p:ext>
     </p:extLst>
   </p:cSld>
@@ -1385,6 +1327,234 @@
     </p:spTree>
     <p:extLst>
       <p:ext uri="{BB962C8B-B14F-4D97-AF65-F5344CB8AC3E}">
+        <p14:creationId xmlns:p14="http://schemas.microsoft.com/office/powerpoint/2010/main" val="1706363560"/>
+      </p:ext>
+    </p:extLst>
+  </p:cSld>
+  <p:clrMapOvr>
+    <a:masterClrMapping/>
+  </p:clrMapOvr>
+</p:notes>
+</file>
+
+<file path=ppt/notesSlides/notesSlide16.xml><?xml version="1.0" encoding="utf-8"?>
+<p:notes xmlns:a="http://schemas.openxmlformats.org/drawingml/2006/main" xmlns:r="http://schemas.openxmlformats.org/officeDocument/2006/relationships" xmlns:p="http://schemas.openxmlformats.org/presentationml/2006/main">
+  <p:cSld>
+    <p:spTree>
+      <p:nvGrpSpPr>
+        <p:cNvPr id="1" name=""/>
+        <p:cNvGrpSpPr/>
+        <p:nvPr/>
+      </p:nvGrpSpPr>
+      <p:grpSpPr>
+        <a:xfrm>
+          <a:off x="0" y="0"/>
+          <a:ext cx="0" cy="0"/>
+          <a:chOff x="0" y="0"/>
+          <a:chExt cx="0" cy="0"/>
+        </a:xfrm>
+      </p:grpSpPr>
+      <p:sp>
+        <p:nvSpPr>
+          <p:cNvPr id="2" name="Slide Image Placeholder 1"/>
+          <p:cNvSpPr>
+            <a:spLocks noGrp="1" noRot="1" noChangeAspect="1"/>
+          </p:cNvSpPr>
+          <p:nvPr>
+            <p:ph type="sldImg"/>
+          </p:nvPr>
+        </p:nvSpPr>
+        <p:spPr/>
+      </p:sp>
+      <p:sp>
+        <p:nvSpPr>
+          <p:cNvPr id="3" name="Notes Placeholder 2"/>
+          <p:cNvSpPr>
+            <a:spLocks noGrp="1"/>
+          </p:cNvSpPr>
+          <p:nvPr>
+            <p:ph type="body" idx="1"/>
+          </p:nvPr>
+        </p:nvSpPr>
+        <p:spPr/>
+        <p:txBody>
+          <a:bodyPr/>
+          <a:lstStyle/>
+          <a:p>
+            <a:endParaRPr lang="en-US" dirty="0"/>
+          </a:p>
+        </p:txBody>
+      </p:sp>
+      <p:sp>
+        <p:nvSpPr>
+          <p:cNvPr id="4" name="Slide Number Placeholder 3"/>
+          <p:cNvSpPr>
+            <a:spLocks noGrp="1"/>
+          </p:cNvSpPr>
+          <p:nvPr>
+            <p:ph type="sldNum" sz="quarter" idx="5"/>
+          </p:nvPr>
+        </p:nvSpPr>
+        <p:spPr/>
+        <p:txBody>
+          <a:bodyPr/>
+          <a:lstStyle/>
+          <a:p>
+            <a:pPr marL="0" marR="0" lvl="0" indent="0" algn="r" defTabSz="914400" rtl="0" eaLnBrk="1" fontAlgn="auto" latinLnBrk="0" hangingPunct="1">
+              <a:lnSpc>
+                <a:spcPct val="100000"/>
+              </a:lnSpc>
+              <a:spcBef>
+                <a:spcPts val="0"/>
+              </a:spcBef>
+              <a:spcAft>
+                <a:spcPts val="0"/>
+              </a:spcAft>
+              <a:buClrTx/>
+              <a:buSzTx/>
+              <a:buFontTx/>
+              <a:buNone/>
+              <a:tabLst/>
+              <a:defRPr/>
+            </a:pPr>
+            <a:fld id="{8C52AA8E-9499-6D4A-B4B6-3DB76C4F8462}" type="slidenum">
+              <a:rPr kumimoji="0" lang="en-US" sz="1200" b="0" i="0" u="none" strike="noStrike" kern="1200" cap="none" spc="0" normalizeH="0" baseline="0" noProof="0" smtClean="0">
+                <a:ln>
+                  <a:noFill/>
+                </a:ln>
+                <a:solidFill>
+                  <a:prstClr val="black"/>
+                </a:solidFill>
+                <a:effectLst/>
+                <a:uLnTx/>
+                <a:uFillTx/>
+                <a:latin typeface="Calibri" panose="020F0502020204030204"/>
+                <a:ea typeface="+mn-ea"/>
+                <a:cs typeface="+mn-cs"/>
+              </a:rPr>
+              <a:pPr marL="0" marR="0" lvl="0" indent="0" algn="r" defTabSz="914400" rtl="0" eaLnBrk="1" fontAlgn="auto" latinLnBrk="0" hangingPunct="1">
+                <a:lnSpc>
+                  <a:spcPct val="100000"/>
+                </a:lnSpc>
+                <a:spcBef>
+                  <a:spcPts val="0"/>
+                </a:spcBef>
+                <a:spcAft>
+                  <a:spcPts val="0"/>
+                </a:spcAft>
+                <a:buClrTx/>
+                <a:buSzTx/>
+                <a:buFontTx/>
+                <a:buNone/>
+                <a:tabLst/>
+                <a:defRPr/>
+              </a:pPr>
+              <a:t>16</a:t>
+            </a:fld>
+            <a:endParaRPr kumimoji="0" lang="en-US" sz="1200" b="0" i="0" u="none" strike="noStrike" kern="1200" cap="none" spc="0" normalizeH="0" baseline="0" noProof="0" dirty="0">
+              <a:ln>
+                <a:noFill/>
+              </a:ln>
+              <a:solidFill>
+                <a:prstClr val="black"/>
+              </a:solidFill>
+              <a:effectLst/>
+              <a:uLnTx/>
+              <a:uFillTx/>
+              <a:latin typeface="Calibri" panose="020F0502020204030204"/>
+              <a:ea typeface="+mn-ea"/>
+              <a:cs typeface="+mn-cs"/>
+            </a:endParaRPr>
+          </a:p>
+        </p:txBody>
+      </p:sp>
+    </p:spTree>
+    <p:extLst>
+      <p:ext uri="{BB962C8B-B14F-4D97-AF65-F5344CB8AC3E}">
+        <p14:creationId xmlns:p14="http://schemas.microsoft.com/office/powerpoint/2010/main" val="2999045306"/>
+      </p:ext>
+    </p:extLst>
+  </p:cSld>
+  <p:clrMapOvr>
+    <a:masterClrMapping/>
+  </p:clrMapOvr>
+</p:notes>
+</file>
+
+<file path=ppt/notesSlides/notesSlide17.xml><?xml version="1.0" encoding="utf-8"?>
+<p:notes xmlns:a="http://schemas.openxmlformats.org/drawingml/2006/main" xmlns:r="http://schemas.openxmlformats.org/officeDocument/2006/relationships" xmlns:p="http://schemas.openxmlformats.org/presentationml/2006/main">
+  <p:cSld>
+    <p:spTree>
+      <p:nvGrpSpPr>
+        <p:cNvPr id="1" name=""/>
+        <p:cNvGrpSpPr/>
+        <p:nvPr/>
+      </p:nvGrpSpPr>
+      <p:grpSpPr>
+        <a:xfrm>
+          <a:off x="0" y="0"/>
+          <a:ext cx="0" cy="0"/>
+          <a:chOff x="0" y="0"/>
+          <a:chExt cx="0" cy="0"/>
+        </a:xfrm>
+      </p:grpSpPr>
+      <p:sp>
+        <p:nvSpPr>
+          <p:cNvPr id="2" name="Slide Image Placeholder 1"/>
+          <p:cNvSpPr>
+            <a:spLocks noGrp="1" noRot="1" noChangeAspect="1"/>
+          </p:cNvSpPr>
+          <p:nvPr>
+            <p:ph type="sldImg"/>
+          </p:nvPr>
+        </p:nvSpPr>
+        <p:spPr/>
+      </p:sp>
+      <p:sp>
+        <p:nvSpPr>
+          <p:cNvPr id="3" name="Notes Placeholder 2"/>
+          <p:cNvSpPr>
+            <a:spLocks noGrp="1"/>
+          </p:cNvSpPr>
+          <p:nvPr>
+            <p:ph type="body" idx="1"/>
+          </p:nvPr>
+        </p:nvSpPr>
+        <p:spPr/>
+        <p:txBody>
+          <a:bodyPr/>
+          <a:lstStyle/>
+          <a:p>
+            <a:endParaRPr lang="en-US" dirty="0"/>
+          </a:p>
+        </p:txBody>
+      </p:sp>
+      <p:sp>
+        <p:nvSpPr>
+          <p:cNvPr id="4" name="Slide Number Placeholder 3"/>
+          <p:cNvSpPr>
+            <a:spLocks noGrp="1"/>
+          </p:cNvSpPr>
+          <p:nvPr>
+            <p:ph type="sldNum" sz="quarter" idx="5"/>
+          </p:nvPr>
+        </p:nvSpPr>
+        <p:spPr/>
+        <p:txBody>
+          <a:bodyPr/>
+          <a:lstStyle/>
+          <a:p>
+            <a:fld id="{FEEA9333-84D7-D143-AB26-DD0B7A71CABE}" type="slidenum">
+              <a:rPr lang="en-US" smtClean="0"/>
+              <a:t>17</a:t>
+            </a:fld>
+            <a:endParaRPr lang="en-US" dirty="0"/>
+          </a:p>
+        </p:txBody>
+      </p:sp>
+    </p:spTree>
+    <p:extLst>
+      <p:ext uri="{BB962C8B-B14F-4D97-AF65-F5344CB8AC3E}">
         <p14:creationId xmlns:p14="http://schemas.microsoft.com/office/powerpoint/2010/main" val="2665332727"/>
       </p:ext>
     </p:extLst>
@@ -1395,7 +1565,7 @@
 </p:notes>
 </file>
 
-<file path=ppt/notesSlides/notesSlide16.xml><?xml version="1.0" encoding="utf-8"?>
+<file path=ppt/notesSlides/notesSlide18.xml><?xml version="1.0" encoding="utf-8"?>
 <p:notes xmlns:a="http://schemas.openxmlformats.org/drawingml/2006/main" xmlns:r="http://schemas.openxmlformats.org/officeDocument/2006/relationships" xmlns:p="http://schemas.openxmlformats.org/presentationml/2006/main">
   <p:cSld>
     <p:spTree>
@@ -1485,7 +1655,7 @@
           <a:p>
             <a:fld id="{00852781-589E-1342-9FF2-F49B87B49D0B}" type="slidenum">
               <a:rPr lang="en-GB" smtClean="0"/>
-              <a:t>16</a:t>
+              <a:t>18</a:t>
             </a:fld>
             <a:endParaRPr lang="en-GB" dirty="0"/>
           </a:p>
@@ -1684,7 +1854,7 @@
           <a:bodyPr/>
           <a:lstStyle/>
           <a:p>
-            <a:endParaRPr lang="en-US" dirty="0"/>
+            <a:endParaRPr lang="en-GB" dirty="0"/>
           </a:p>
         </p:txBody>
       </p:sp>
@@ -1703,18 +1873,18 @@
           <a:bodyPr/>
           <a:lstStyle/>
           <a:p>
-            <a:fld id="{FEEA9333-84D7-D143-AB26-DD0B7A71CABE}" type="slidenum">
-              <a:rPr lang="en-US" smtClean="0"/>
+            <a:fld id="{00852781-589E-1342-9FF2-F49B87B49D0B}" type="slidenum">
+              <a:rPr lang="en-GB" smtClean="0"/>
               <a:t>3</a:t>
             </a:fld>
-            <a:endParaRPr lang="en-US" dirty="0"/>
+            <a:endParaRPr lang="en-GB"/>
           </a:p>
         </p:txBody>
       </p:sp>
     </p:spTree>
     <p:extLst>
       <p:ext uri="{BB962C8B-B14F-4D97-AF65-F5344CB8AC3E}">
-        <p14:creationId xmlns:p14="http://schemas.microsoft.com/office/powerpoint/2010/main" val="1482343267"/>
+        <p14:creationId xmlns:p14="http://schemas.microsoft.com/office/powerpoint/2010/main" val="2985429439"/>
       </p:ext>
     </p:extLst>
   </p:cSld>
@@ -1768,7 +1938,7 @@
           <a:bodyPr/>
           <a:lstStyle/>
           <a:p>
-            <a:endParaRPr lang="en-US" dirty="0"/>
+            <a:endParaRPr lang="en-GB" dirty="0"/>
           </a:p>
         </p:txBody>
       </p:sp>
@@ -1787,18 +1957,18 @@
           <a:bodyPr/>
           <a:lstStyle/>
           <a:p>
-            <a:fld id="{8C52AA8E-9499-6D4A-B4B6-3DB76C4F8462}" type="slidenum">
-              <a:rPr lang="en-US" smtClean="0"/>
+            <a:fld id="{00852781-589E-1342-9FF2-F49B87B49D0B}" type="slidenum">
+              <a:rPr lang="en-GB" smtClean="0"/>
               <a:t>4</a:t>
             </a:fld>
-            <a:endParaRPr lang="en-US" dirty="0"/>
+            <a:endParaRPr lang="en-GB"/>
           </a:p>
         </p:txBody>
       </p:sp>
     </p:spTree>
     <p:extLst>
       <p:ext uri="{BB962C8B-B14F-4D97-AF65-F5344CB8AC3E}">
-        <p14:creationId xmlns:p14="http://schemas.microsoft.com/office/powerpoint/2010/main" val="612646038"/>
+        <p14:creationId xmlns:p14="http://schemas.microsoft.com/office/powerpoint/2010/main" val="1819787041"/>
       </p:ext>
     </p:extLst>
   </p:cSld>
@@ -1871,7 +2041,7 @@
           <a:bodyPr/>
           <a:lstStyle/>
           <a:p>
-            <a:fld id="{8C52AA8E-9499-6D4A-B4B6-3DB76C4F8462}" type="slidenum">
+            <a:fld id="{FEEA9333-84D7-D143-AB26-DD0B7A71CABE}" type="slidenum">
               <a:rPr lang="en-US" smtClean="0"/>
               <a:t>5</a:t>
             </a:fld>
@@ -1882,7 +2052,7 @@
     </p:spTree>
     <p:extLst>
       <p:ext uri="{BB962C8B-B14F-4D97-AF65-F5344CB8AC3E}">
-        <p14:creationId xmlns:p14="http://schemas.microsoft.com/office/powerpoint/2010/main" val="3104016737"/>
+        <p14:creationId xmlns:p14="http://schemas.microsoft.com/office/powerpoint/2010/main" val="1482343267"/>
       </p:ext>
     </p:extLst>
   </p:cSld>
@@ -1966,7 +2136,7 @@
     </p:spTree>
     <p:extLst>
       <p:ext uri="{BB962C8B-B14F-4D97-AF65-F5344CB8AC3E}">
-        <p14:creationId xmlns:p14="http://schemas.microsoft.com/office/powerpoint/2010/main" val="3882189074"/>
+        <p14:creationId xmlns:p14="http://schemas.microsoft.com/office/powerpoint/2010/main" val="612646038"/>
       </p:ext>
     </p:extLst>
   </p:cSld>
@@ -2050,7 +2220,7 @@
     </p:spTree>
     <p:extLst>
       <p:ext uri="{BB962C8B-B14F-4D97-AF65-F5344CB8AC3E}">
-        <p14:creationId xmlns:p14="http://schemas.microsoft.com/office/powerpoint/2010/main" val="1482753883"/>
+        <p14:creationId xmlns:p14="http://schemas.microsoft.com/office/powerpoint/2010/main" val="3104016737"/>
       </p:ext>
     </p:extLst>
   </p:cSld>
@@ -2134,7 +2304,7 @@
     </p:spTree>
     <p:extLst>
       <p:ext uri="{BB962C8B-B14F-4D97-AF65-F5344CB8AC3E}">
-        <p14:creationId xmlns:p14="http://schemas.microsoft.com/office/powerpoint/2010/main" val="2500339233"/>
+        <p14:creationId xmlns:p14="http://schemas.microsoft.com/office/powerpoint/2010/main" val="3882189074"/>
       </p:ext>
     </p:extLst>
   </p:cSld>
@@ -2207,7 +2377,7 @@
           <a:bodyPr/>
           <a:lstStyle/>
           <a:p>
-            <a:fld id="{FEEA9333-84D7-D143-AB26-DD0B7A71CABE}" type="slidenum">
+            <a:fld id="{8C52AA8E-9499-6D4A-B4B6-3DB76C4F8462}" type="slidenum">
               <a:rPr lang="en-US" smtClean="0"/>
               <a:t>9</a:t>
             </a:fld>
@@ -2218,7 +2388,7 @@
     </p:spTree>
     <p:extLst>
       <p:ext uri="{BB962C8B-B14F-4D97-AF65-F5344CB8AC3E}">
-        <p14:creationId xmlns:p14="http://schemas.microsoft.com/office/powerpoint/2010/main" val="1853071331"/>
+        <p14:creationId xmlns:p14="http://schemas.microsoft.com/office/powerpoint/2010/main" val="1482753883"/>
       </p:ext>
     </p:extLst>
   </p:cSld>
@@ -11021,7 +11191,7 @@
           <a:p>
             <a:fld id="{5D8171C0-695E-BD4E-B021-8976B44C063A}" type="datetime1">
               <a:rPr lang="en-SG" smtClean="0"/>
-              <a:t>2/4/25</a:t>
+              <a:t>25/8/25</a:t>
             </a:fld>
             <a:endParaRPr lang="en-GB" dirty="0"/>
           </a:p>
@@ -11228,7 +11398,7 @@
           <a:p>
             <a:fld id="{6F853C54-8EB9-C24B-9C31-2B1DDC9DE9A6}" type="datetime1">
               <a:rPr lang="en-SG" smtClean="0"/>
-              <a:t>2/4/25</a:t>
+              <a:t>25/8/25</a:t>
             </a:fld>
             <a:endParaRPr lang="en-GB" dirty="0"/>
           </a:p>
@@ -11403,7 +11573,7 @@
           <a:p>
             <a:fld id="{3472FA3B-614A-7B44-98FC-38DCC6EB32F4}" type="datetime1">
               <a:rPr lang="en-SG" smtClean="0"/>
-              <a:t>2/4/25</a:t>
+              <a:t>25/8/25</a:t>
             </a:fld>
             <a:endParaRPr lang="en-GB" dirty="0"/>
           </a:p>
@@ -11637,7 +11807,7 @@
           <a:p>
             <a:fld id="{159A31D3-5D48-6C49-8100-1BFEDDA27045}" type="datetime1">
               <a:rPr lang="en-SG" smtClean="0"/>
-              <a:t>2/4/25</a:t>
+              <a:t>25/8/25</a:t>
             </a:fld>
             <a:endParaRPr lang="en-GB" dirty="0"/>
           </a:p>
@@ -20542,7 +20712,7 @@
           <a:p>
             <a:fld id="{33FB4DE5-3FA5-CB41-9D0A-192659D1CB71}" type="datetime1">
               <a:rPr lang="en-SG" smtClean="0"/>
-              <a:t>2/4/25</a:t>
+              <a:t>25/8/25</a:t>
             </a:fld>
             <a:endParaRPr lang="en-GB" dirty="0"/>
           </a:p>
@@ -20815,7 +20985,7 @@
           <a:p>
             <a:fld id="{2BA4E459-705C-6E47-A7D6-9BAC4DCC79E5}" type="datetime1">
               <a:rPr lang="en-SG" smtClean="0"/>
-              <a:t>2/4/25</a:t>
+              <a:t>25/8/25</a:t>
             </a:fld>
             <a:endParaRPr lang="en-GB" dirty="0"/>
           </a:p>
@@ -21213,7 +21383,7 @@
           <a:p>
             <a:fld id="{7A41D9F5-A799-534F-ADC1-59DEE366892C}" type="datetime1">
               <a:rPr lang="en-SG" smtClean="0"/>
-              <a:t>2/4/25</a:t>
+              <a:t>25/8/25</a:t>
             </a:fld>
             <a:endParaRPr lang="en-GB" dirty="0"/>
           </a:p>
@@ -21331,7 +21501,7 @@
           <a:p>
             <a:fld id="{65CD0D58-1596-D242-A555-BB899CD37BDE}" type="datetime1">
               <a:rPr lang="en-SG" smtClean="0"/>
-              <a:t>2/4/25</a:t>
+              <a:t>25/8/25</a:t>
             </a:fld>
             <a:endParaRPr lang="en-GB" dirty="0"/>
           </a:p>
@@ -21421,7 +21591,7 @@
           <a:p>
             <a:fld id="{C6195D21-BC09-2042-8183-6DEFCDF5312A}" type="datetime1">
               <a:rPr lang="en-SG" smtClean="0"/>
-              <a:t>2/4/25</a:t>
+              <a:t>25/8/25</a:t>
             </a:fld>
             <a:endParaRPr lang="en-GB" dirty="0"/>
           </a:p>
@@ -21711,7 +21881,7 @@
           <a:p>
             <a:fld id="{96BFDC18-B983-004C-8152-2C2BF2CFEDD7}" type="datetime1">
               <a:rPr lang="en-SG" smtClean="0"/>
-              <a:t>2/4/25</a:t>
+              <a:t>25/8/25</a:t>
             </a:fld>
             <a:endParaRPr lang="en-GB" dirty="0"/>
           </a:p>
@@ -21990,7 +22160,7 @@
           <a:p>
             <a:fld id="{2B69BD44-7826-F548-A836-9F6150569590}" type="datetime1">
               <a:rPr lang="en-SG" smtClean="0"/>
-              <a:t>2/4/25</a:t>
+              <a:t>25/8/25</a:t>
             </a:fld>
             <a:endParaRPr lang="en-GB" dirty="0"/>
           </a:p>
@@ -22358,7 +22528,7 @@
           <a:p>
             <a:fld id="{2DC3BF20-5808-0847-A21A-F2A835930045}" type="datetime1">
               <a:rPr lang="en-SG" smtClean="0"/>
-              <a:t>2/4/25</a:t>
+              <a:t>25/8/25</a:t>
             </a:fld>
             <a:endParaRPr lang="en-GB" dirty="0"/>
           </a:p>
@@ -23345,6 +23515,298 @@
           <a:p>
             <a:r>
               <a:rPr lang="en-US" dirty="0"/>
+              <a:t>Gene weightings applied to human data</a:t>
+            </a:r>
+            <a:br>
+              <a:rPr lang="en-US" dirty="0"/>
+            </a:br>
+            <a:r>
+              <a:rPr lang="en-US" dirty="0"/>
+              <a:t>(Rats after 24 hr)</a:t>
+            </a:r>
+          </a:p>
+        </p:txBody>
+      </p:sp>
+      <p:pic>
+        <p:nvPicPr>
+          <p:cNvPr id="3" name="Picture 2">
+            <a:extLst>
+              <a:ext uri="{FF2B5EF4-FFF2-40B4-BE49-F238E27FC236}">
+                <a16:creationId xmlns:a16="http://schemas.microsoft.com/office/drawing/2014/main" id="{F339FA6D-1F3F-1523-350C-3B34D85A1D52}"/>
+              </a:ext>
+            </a:extLst>
+          </p:cNvPr>
+          <p:cNvPicPr>
+            <a:picLocks noChangeAspect="1"/>
+          </p:cNvPicPr>
+          <p:nvPr/>
+        </p:nvPicPr>
+        <p:blipFill>
+          <a:blip r:embed="rId3"/>
+          <a:stretch>
+            <a:fillRect/>
+          </a:stretch>
+        </p:blipFill>
+        <p:spPr>
+          <a:xfrm>
+            <a:off x="5723959" y="1779588"/>
+            <a:ext cx="5854700" cy="4394200"/>
+          </a:xfrm>
+          <a:prstGeom prst="rect">
+            <a:avLst/>
+          </a:prstGeom>
+        </p:spPr>
+      </p:pic>
+      <p:pic>
+        <p:nvPicPr>
+          <p:cNvPr id="6" name="Picture 5">
+            <a:extLst>
+              <a:ext uri="{FF2B5EF4-FFF2-40B4-BE49-F238E27FC236}">
+                <a16:creationId xmlns:a16="http://schemas.microsoft.com/office/drawing/2014/main" id="{CD40A907-B40F-E113-AEDA-FC01E07E4395}"/>
+              </a:ext>
+            </a:extLst>
+          </p:cNvPr>
+          <p:cNvPicPr>
+            <a:picLocks noChangeAspect="1"/>
+          </p:cNvPicPr>
+          <p:nvPr/>
+        </p:nvPicPr>
+        <p:blipFill>
+          <a:blip r:embed="rId4"/>
+          <a:srcRect/>
+          <a:stretch/>
+        </p:blipFill>
+        <p:spPr>
+          <a:xfrm>
+            <a:off x="1711891" y="1690688"/>
+            <a:ext cx="3657600" cy="4572000"/>
+          </a:xfrm>
+          <a:prstGeom prst="rect">
+            <a:avLst/>
+          </a:prstGeom>
+        </p:spPr>
+      </p:pic>
+    </p:spTree>
+    <p:extLst>
+      <p:ext uri="{BB962C8B-B14F-4D97-AF65-F5344CB8AC3E}">
+        <p14:creationId xmlns:p14="http://schemas.microsoft.com/office/powerpoint/2010/main" val="1599003704"/>
+      </p:ext>
+    </p:extLst>
+  </p:cSld>
+  <p:clrMapOvr>
+    <a:masterClrMapping/>
+  </p:clrMapOvr>
+</p:sld>
+</file>
+
+<file path=ppt/slides/slide11.xml><?xml version="1.0" encoding="utf-8"?>
+<p:sld xmlns:a="http://schemas.openxmlformats.org/drawingml/2006/main" xmlns:r="http://schemas.openxmlformats.org/officeDocument/2006/relationships" xmlns:p="http://schemas.openxmlformats.org/presentationml/2006/main">
+  <p:cSld>
+    <p:spTree>
+      <p:nvGrpSpPr>
+        <p:cNvPr id="1" name=""/>
+        <p:cNvGrpSpPr/>
+        <p:nvPr/>
+      </p:nvGrpSpPr>
+      <p:grpSpPr>
+        <a:xfrm>
+          <a:off x="0" y="0"/>
+          <a:ext cx="0" cy="0"/>
+          <a:chOff x="0" y="0"/>
+          <a:chExt cx="0" cy="0"/>
+        </a:xfrm>
+      </p:grpSpPr>
+      <p:sp>
+        <p:nvSpPr>
+          <p:cNvPr id="2" name="TextBox 1">
+            <a:extLst>
+              <a:ext uri="{FF2B5EF4-FFF2-40B4-BE49-F238E27FC236}">
+                <a16:creationId xmlns:a16="http://schemas.microsoft.com/office/drawing/2014/main" id="{010569A0-A1A8-994E-91DC-95FD3601D6EF}"/>
+              </a:ext>
+            </a:extLst>
+          </p:cNvPr>
+          <p:cNvSpPr txBox="1"/>
+          <p:nvPr/>
+        </p:nvSpPr>
+        <p:spPr>
+          <a:xfrm>
+            <a:off x="435078" y="479323"/>
+            <a:ext cx="10685206" cy="1569660"/>
+          </a:xfrm>
+          <a:prstGeom prst="rect">
+            <a:avLst/>
+          </a:prstGeom>
+          <a:noFill/>
+        </p:spPr>
+        <p:txBody>
+          <a:bodyPr wrap="square" rtlCol="0">
+            <a:spAutoFit/>
+          </a:bodyPr>
+          <a:lstStyle/>
+          <a:p>
+            <a:pPr algn="ctr"/>
+            <a:r>
+              <a:rPr lang="en-GB" sz="4800" dirty="0"/>
+              <a:t>miRNA in Rat TBI models compared to Human TBI</a:t>
+            </a:r>
+          </a:p>
+        </p:txBody>
+      </p:sp>
+      <p:sp>
+        <p:nvSpPr>
+          <p:cNvPr id="3" name="TextBox 2">
+            <a:extLst>
+              <a:ext uri="{FF2B5EF4-FFF2-40B4-BE49-F238E27FC236}">
+                <a16:creationId xmlns:a16="http://schemas.microsoft.com/office/drawing/2014/main" id="{DD1D1466-D097-2529-AD22-105C7F61A7F5}"/>
+              </a:ext>
+            </a:extLst>
+          </p:cNvPr>
+          <p:cNvSpPr txBox="1"/>
+          <p:nvPr/>
+        </p:nvSpPr>
+        <p:spPr>
+          <a:xfrm>
+            <a:off x="914400" y="2542784"/>
+            <a:ext cx="7796814" cy="2031325"/>
+          </a:xfrm>
+          <a:prstGeom prst="rect">
+            <a:avLst/>
+          </a:prstGeom>
+          <a:noFill/>
+        </p:spPr>
+        <p:txBody>
+          <a:bodyPr wrap="none" rtlCol="0">
+            <a:spAutoFit/>
+          </a:bodyPr>
+          <a:lstStyle/>
+          <a:p>
+            <a:pPr marL="285750" indent="-285750">
+              <a:buFont typeface="Arial" panose="020B0604020202020204" pitchFamily="34" charset="0"/>
+              <a:buChar char="•"/>
+            </a:pPr>
+            <a:r>
+              <a:rPr lang="en-US" b="1" dirty="0">
+                <a:solidFill>
+                  <a:srgbClr val="FF0000"/>
+                </a:solidFill>
+              </a:rPr>
+              <a:t>Do the differences in miRNA for rat models of TBI translate to humans? </a:t>
+            </a:r>
+            <a:r>
+              <a:rPr lang="en-US" b="1" dirty="0">
+                <a:solidFill>
+                  <a:srgbClr val="002060"/>
+                </a:solidFill>
+              </a:rPr>
+              <a:t>YES</a:t>
+            </a:r>
+          </a:p>
+          <a:p>
+            <a:pPr marL="285750" indent="-285750">
+              <a:buFont typeface="Arial" panose="020B0604020202020204" pitchFamily="34" charset="0"/>
+              <a:buChar char="•"/>
+            </a:pPr>
+            <a:endParaRPr lang="en-US" dirty="0"/>
+          </a:p>
+          <a:p>
+            <a:pPr marL="742950" lvl="1" indent="-285750">
+              <a:buFont typeface="Arial" panose="020B0604020202020204" pitchFamily="34" charset="0"/>
+              <a:buChar char="•"/>
+            </a:pPr>
+            <a:r>
+              <a:rPr lang="en-US" b="1" dirty="0"/>
+              <a:t>Do the biofluids of the rats or humans matter for miRNA measurement?</a:t>
+            </a:r>
+          </a:p>
+          <a:p>
+            <a:pPr marL="742950" lvl="1" indent="-285750">
+              <a:buFont typeface="Arial" panose="020B0604020202020204" pitchFamily="34" charset="0"/>
+              <a:buChar char="•"/>
+            </a:pPr>
+            <a:endParaRPr lang="en-US" b="1" dirty="0"/>
+          </a:p>
+          <a:p>
+            <a:pPr marL="742950" lvl="1" indent="-285750">
+              <a:buFont typeface="Arial" panose="020B0604020202020204" pitchFamily="34" charset="0"/>
+              <a:buChar char="•"/>
+            </a:pPr>
+            <a:r>
+              <a:rPr lang="en-US" dirty="0"/>
+              <a:t>Does data from male rats comparable to sex differences in humans?</a:t>
+            </a:r>
+          </a:p>
+          <a:p>
+            <a:pPr marL="742950" lvl="1" indent="-285750">
+              <a:buFont typeface="Arial" panose="020B0604020202020204" pitchFamily="34" charset="0"/>
+              <a:buChar char="•"/>
+            </a:pPr>
+            <a:endParaRPr lang="en-US" dirty="0"/>
+          </a:p>
+          <a:p>
+            <a:pPr marL="742950" lvl="1" indent="-285750">
+              <a:buFont typeface="Arial" panose="020B0604020202020204" pitchFamily="34" charset="0"/>
+              <a:buChar char="•"/>
+            </a:pPr>
+            <a:r>
+              <a:rPr lang="en-US" dirty="0"/>
+              <a:t>Does the type of TBI injury matter?</a:t>
+            </a:r>
+          </a:p>
+        </p:txBody>
+      </p:sp>
+    </p:spTree>
+    <p:extLst>
+      <p:ext uri="{BB962C8B-B14F-4D97-AF65-F5344CB8AC3E}">
+        <p14:creationId xmlns:p14="http://schemas.microsoft.com/office/powerpoint/2010/main" val="2650926682"/>
+      </p:ext>
+    </p:extLst>
+  </p:cSld>
+  <p:clrMapOvr>
+    <a:masterClrMapping/>
+  </p:clrMapOvr>
+</p:sld>
+</file>
+
+<file path=ppt/slides/slide12.xml><?xml version="1.0" encoding="utf-8"?>
+<p:sld xmlns:a="http://schemas.openxmlformats.org/drawingml/2006/main" xmlns:r="http://schemas.openxmlformats.org/officeDocument/2006/relationships" xmlns:p="http://schemas.openxmlformats.org/presentationml/2006/main">
+  <p:cSld>
+    <p:spTree>
+      <p:nvGrpSpPr>
+        <p:cNvPr id="1" name=""/>
+        <p:cNvGrpSpPr/>
+        <p:nvPr/>
+      </p:nvGrpSpPr>
+      <p:grpSpPr>
+        <a:xfrm>
+          <a:off x="0" y="0"/>
+          <a:ext cx="0" cy="0"/>
+          <a:chOff x="0" y="0"/>
+          <a:chExt cx="0" cy="0"/>
+        </a:xfrm>
+      </p:grpSpPr>
+      <p:sp>
+        <p:nvSpPr>
+          <p:cNvPr id="4" name="Title 3">
+            <a:extLst>
+              <a:ext uri="{FF2B5EF4-FFF2-40B4-BE49-F238E27FC236}">
+                <a16:creationId xmlns:a16="http://schemas.microsoft.com/office/drawing/2014/main" id="{960BCB57-89CA-12C9-8820-D9D7ADEF4F65}"/>
+              </a:ext>
+            </a:extLst>
+          </p:cNvPr>
+          <p:cNvSpPr>
+            <a:spLocks noGrp="1"/>
+          </p:cNvSpPr>
+          <p:nvPr>
+            <p:ph type="title"/>
+          </p:nvPr>
+        </p:nvSpPr>
+        <p:spPr/>
+        <p:txBody>
+          <a:bodyPr/>
+          <a:lstStyle/>
+          <a:p>
+            <a:r>
+              <a:rPr lang="en-US" dirty="0"/>
               <a:t>Gene weightings applied to human data (Saliva)</a:t>
             </a:r>
           </a:p>
@@ -23421,7 +23883,7 @@
 </p:sld>
 </file>
 
-<file path=ppt/slides/slide11.xml><?xml version="1.0" encoding="utf-8"?>
+<file path=ppt/slides/slide13.xml><?xml version="1.0" encoding="utf-8"?>
 <p:sld xmlns:a="http://schemas.openxmlformats.org/drawingml/2006/main" xmlns:r="http://schemas.openxmlformats.org/officeDocument/2006/relationships" xmlns:p="http://schemas.openxmlformats.org/presentationml/2006/main">
   <p:cSld>
     <p:spTree>
@@ -23608,7 +24070,7 @@
 </p:sld>
 </file>
 
-<file path=ppt/slides/slide12.xml><?xml version="1.0" encoding="utf-8"?>
+<file path=ppt/slides/slide14.xml><?xml version="1.0" encoding="utf-8"?>
 <p:sld xmlns:a="http://schemas.openxmlformats.org/drawingml/2006/main" xmlns:r="http://schemas.openxmlformats.org/officeDocument/2006/relationships" xmlns:p="http://schemas.openxmlformats.org/presentationml/2006/main">
   <p:cSld>
     <p:spTree>
@@ -23731,7 +24193,7 @@
 </p:sld>
 </file>
 
-<file path=ppt/slides/slide13.xml><?xml version="1.0" encoding="utf-8"?>
+<file path=ppt/slides/slide15.xml><?xml version="1.0" encoding="utf-8"?>
 <p:sld xmlns:a="http://schemas.openxmlformats.org/drawingml/2006/main" xmlns:r="http://schemas.openxmlformats.org/officeDocument/2006/relationships" xmlns:p="http://schemas.openxmlformats.org/presentationml/2006/main">
   <p:cSld>
     <p:spTree>
@@ -23935,7 +24397,7 @@
 </p:sld>
 </file>
 
-<file path=ppt/slides/slide14.xml><?xml version="1.0" encoding="utf-8"?>
+<file path=ppt/slides/slide16.xml><?xml version="1.0" encoding="utf-8"?>
 <p:sld xmlns:a="http://schemas.openxmlformats.org/drawingml/2006/main" xmlns:r="http://schemas.openxmlformats.org/officeDocument/2006/relationships" xmlns:p="http://schemas.openxmlformats.org/presentationml/2006/main">
   <p:cSld>
     <p:spTree>
@@ -24058,7 +24520,7 @@
 </p:sld>
 </file>
 
-<file path=ppt/slides/slide15.xml><?xml version="1.0" encoding="utf-8"?>
+<file path=ppt/slides/slide17.xml><?xml version="1.0" encoding="utf-8"?>
 <p:sld xmlns:a="http://schemas.openxmlformats.org/drawingml/2006/main" xmlns:r="http://schemas.openxmlformats.org/officeDocument/2006/relationships" xmlns:p="http://schemas.openxmlformats.org/presentationml/2006/main">
   <p:cSld>
     <p:spTree>
@@ -24287,7 +24749,7 @@
 </p:sld>
 </file>
 
-<file path=ppt/slides/slide16.xml><?xml version="1.0" encoding="utf-8"?>
+<file path=ppt/slides/slide18.xml><?xml version="1.0" encoding="utf-8"?>
 <p:sld xmlns:a="http://schemas.openxmlformats.org/drawingml/2006/main" xmlns:r="http://schemas.openxmlformats.org/officeDocument/2006/relationships" xmlns:p="http://schemas.openxmlformats.org/presentationml/2006/main">
   <p:cSld>
     <p:spTree>
@@ -24327,7 +24789,7 @@
           <a:p>
             <a:fld id="{9F3C1A03-04C2-0846-ADDA-213E9916F0D3}" type="slidenum">
               <a:rPr lang="en-GB" smtClean="0"/>
-              <a:t>16</a:t>
+              <a:t>18</a:t>
             </a:fld>
             <a:endParaRPr lang="en-GB" dirty="0"/>
           </a:p>
@@ -25069,6 +25531,555 @@
       </p:grpSpPr>
       <p:sp>
         <p:nvSpPr>
+          <p:cNvPr id="2" name="Title 1">
+            <a:extLst>
+              <a:ext uri="{FF2B5EF4-FFF2-40B4-BE49-F238E27FC236}">
+                <a16:creationId xmlns:a16="http://schemas.microsoft.com/office/drawing/2014/main" id="{67D32647-30F0-3B45-868F-FBC0B1734A50}"/>
+              </a:ext>
+            </a:extLst>
+          </p:cNvPr>
+          <p:cNvSpPr>
+            <a:spLocks noGrp="1"/>
+          </p:cNvSpPr>
+          <p:nvPr>
+            <p:ph type="title"/>
+          </p:nvPr>
+        </p:nvSpPr>
+        <p:spPr>
+          <a:xfrm>
+            <a:off x="1024127" y="402336"/>
+            <a:ext cx="10140401" cy="1219987"/>
+          </a:xfrm>
+        </p:spPr>
+        <p:txBody>
+          <a:bodyPr>
+            <a:normAutofit/>
+          </a:bodyPr>
+          <a:lstStyle/>
+          <a:p>
+            <a:r>
+              <a:rPr lang="en-GB" sz="3600" dirty="0"/>
+              <a:t>Multiple testing – Bonferroni-holm method</a:t>
+            </a:r>
+            <a:endParaRPr lang="en-GB" sz="3600" cap="none" dirty="0">
+              <a:latin typeface="+mn-lt"/>
+            </a:endParaRPr>
+          </a:p>
+        </p:txBody>
+      </p:sp>
+      <p:sp>
+        <p:nvSpPr>
+          <p:cNvPr id="4" name="Content Placeholder 3">
+            <a:extLst>
+              <a:ext uri="{FF2B5EF4-FFF2-40B4-BE49-F238E27FC236}">
+                <a16:creationId xmlns:a16="http://schemas.microsoft.com/office/drawing/2014/main" id="{5F0F6D09-21D1-B445-A0D3-811B8173FDA9}"/>
+              </a:ext>
+            </a:extLst>
+          </p:cNvPr>
+          <p:cNvSpPr>
+            <a:spLocks noGrp="1"/>
+          </p:cNvSpPr>
+          <p:nvPr>
+            <p:ph idx="1"/>
+          </p:nvPr>
+        </p:nvSpPr>
+        <p:spPr>
+          <a:xfrm>
+            <a:off x="696934" y="1485749"/>
+            <a:ext cx="10140399" cy="4984955"/>
+          </a:xfrm>
+        </p:spPr>
+        <p:txBody>
+          <a:bodyPr>
+            <a:normAutofit/>
+          </a:bodyPr>
+          <a:lstStyle/>
+          <a:p>
+            <a:pPr marL="811842" lvl="1" indent="-541338">
+              <a:lnSpc>
+                <a:spcPct val="150000"/>
+              </a:lnSpc>
+              <a:buFont typeface="Wingdings" pitchFamily="2" charset="2"/>
+              <a:buChar char="v"/>
+            </a:pPr>
+            <a:endParaRPr lang="en-GB" sz="1600" dirty="0">
+              <a:latin typeface="Menlo" panose="020B0609030804020204" pitchFamily="49" charset="0"/>
+              <a:ea typeface="Menlo" panose="020B0609030804020204" pitchFamily="49" charset="0"/>
+              <a:cs typeface="Menlo" panose="020B0609030804020204" pitchFamily="49" charset="0"/>
+            </a:endParaRPr>
+          </a:p>
+          <a:p>
+            <a:pPr marL="270504" lvl="1" indent="0">
+              <a:lnSpc>
+                <a:spcPct val="150000"/>
+              </a:lnSpc>
+              <a:buNone/>
+            </a:pPr>
+            <a:r>
+              <a:rPr lang="en-GB" sz="2200" dirty="0"/>
+              <a:t>Suppose you have m p-values, sorted into order lowest-to-highest P</a:t>
+            </a:r>
+            <a:r>
+              <a:rPr lang="en-GB" sz="2200" baseline="-25000" dirty="0"/>
+              <a:t>1</a:t>
+            </a:r>
+            <a:r>
+              <a:rPr lang="en-GB" sz="2200" dirty="0"/>
+              <a:t> , … , P</a:t>
+            </a:r>
+            <a:r>
+              <a:rPr lang="en-GB" sz="2200" baseline="-25000" dirty="0"/>
+              <a:t>m</a:t>
+            </a:r>
+            <a:r>
+              <a:rPr lang="en-GB" sz="2200" dirty="0"/>
+              <a:t>, and their corresponding hypotheses H</a:t>
+            </a:r>
+            <a:r>
+              <a:rPr lang="en-GB" sz="2200" baseline="-25000" dirty="0"/>
+              <a:t>1</a:t>
+            </a:r>
+            <a:r>
+              <a:rPr lang="en-GB" sz="2200" dirty="0"/>
+              <a:t> , … , </a:t>
+            </a:r>
+            <a:r>
+              <a:rPr lang="en-GB" sz="2200" dirty="0" err="1"/>
+              <a:t>H</a:t>
+            </a:r>
+            <a:r>
+              <a:rPr lang="en-GB" sz="2200" baseline="-25000" dirty="0" err="1"/>
+              <a:t>m</a:t>
+            </a:r>
+            <a:r>
+              <a:rPr lang="en-GB" sz="2200" dirty="0"/>
+              <a:t> . </a:t>
+            </a:r>
+          </a:p>
+          <a:p>
+            <a:pPr marL="270504" lvl="1" indent="0">
+              <a:lnSpc>
+                <a:spcPct val="150000"/>
+              </a:lnSpc>
+              <a:buNone/>
+            </a:pPr>
+            <a:r>
+              <a:rPr lang="en-GB" sz="2200" dirty="0"/>
+              <a:t>Choose a significance level </a:t>
+            </a:r>
+            <a:r>
+              <a:rPr lang="el-GR" sz="2200" dirty="0"/>
+              <a:t>α</a:t>
+            </a:r>
+            <a:r>
+              <a:rPr lang="en-GB" sz="2200" dirty="0"/>
+              <a:t> (e.g. 0.05).</a:t>
+            </a:r>
+          </a:p>
+          <a:p>
+            <a:pPr marL="811842" lvl="1" indent="-541338">
+              <a:lnSpc>
+                <a:spcPct val="150000"/>
+              </a:lnSpc>
+              <a:buFont typeface="Wingdings" pitchFamily="2" charset="2"/>
+              <a:buChar char="v"/>
+            </a:pPr>
+            <a:r>
+              <a:rPr lang="en-GB" sz="2200" dirty="0"/>
+              <a:t>Is P</a:t>
+            </a:r>
+            <a:r>
+              <a:rPr lang="en-GB" sz="2200" baseline="-25000" dirty="0"/>
+              <a:t>1</a:t>
+            </a:r>
+            <a:r>
+              <a:rPr lang="en-GB" sz="2200" dirty="0"/>
+              <a:t> &lt; </a:t>
+            </a:r>
+            <a:r>
+              <a:rPr lang="el-GR" sz="2200" dirty="0"/>
+              <a:t>α / </a:t>
+            </a:r>
+            <a:r>
+              <a:rPr lang="en-GB" sz="2200" dirty="0"/>
+              <a:t>m  ?   If so, reject H</a:t>
+            </a:r>
+            <a:r>
+              <a:rPr lang="en-GB" sz="2200" baseline="-25000" dirty="0"/>
+              <a:t>1</a:t>
+            </a:r>
+            <a:r>
+              <a:rPr lang="en-GB" sz="2200" dirty="0"/>
+              <a:t> and continue to the next step, otherwise EXIT.</a:t>
+            </a:r>
+          </a:p>
+          <a:p>
+            <a:pPr marL="811842" lvl="1" indent="-541338">
+              <a:lnSpc>
+                <a:spcPct val="150000"/>
+              </a:lnSpc>
+              <a:buFont typeface="Wingdings" pitchFamily="2" charset="2"/>
+              <a:buChar char="v"/>
+            </a:pPr>
+            <a:r>
+              <a:rPr lang="en-GB" sz="2200" dirty="0"/>
+              <a:t>Is P</a:t>
+            </a:r>
+            <a:r>
+              <a:rPr lang="en-GB" sz="2200" baseline="-25000" dirty="0"/>
+              <a:t>2</a:t>
+            </a:r>
+            <a:r>
+              <a:rPr lang="en-GB" sz="2200" dirty="0"/>
+              <a:t> &lt; </a:t>
+            </a:r>
+            <a:r>
+              <a:rPr lang="el-GR" sz="2200" dirty="0"/>
+              <a:t>α / </a:t>
+            </a:r>
+            <a:r>
+              <a:rPr lang="en-GB" sz="2200" dirty="0"/>
+              <a:t>m-1 ? If so, reject H</a:t>
+            </a:r>
+            <a:r>
+              <a:rPr lang="en-GB" sz="2200" baseline="-25000" dirty="0"/>
+              <a:t>2</a:t>
+            </a:r>
+            <a:r>
+              <a:rPr lang="en-GB" sz="2200" dirty="0"/>
+              <a:t> and continue to the next step, otherwise EXIT.</a:t>
+            </a:r>
+          </a:p>
+          <a:p>
+            <a:pPr marL="270504" lvl="1" indent="0">
+              <a:lnSpc>
+                <a:spcPct val="150000"/>
+              </a:lnSpc>
+              <a:buNone/>
+            </a:pPr>
+            <a:r>
+              <a:rPr lang="en-GB" sz="2200" dirty="0"/>
+              <a:t>…</a:t>
+            </a:r>
+          </a:p>
+          <a:p>
+            <a:pPr marL="270504" lvl="1" indent="0">
+              <a:lnSpc>
+                <a:spcPct val="150000"/>
+              </a:lnSpc>
+              <a:buNone/>
+            </a:pPr>
+            <a:r>
+              <a:rPr lang="en-GB" sz="2200" dirty="0"/>
+              <a:t>And so on: for each P value, test whether </a:t>
+            </a:r>
+            <a:r>
+              <a:rPr lang="en-GB" sz="2200" dirty="0" err="1"/>
+              <a:t>P</a:t>
+            </a:r>
+            <a:r>
+              <a:rPr lang="en-GB" sz="2200" baseline="-25000" dirty="0" err="1"/>
+              <a:t>k</a:t>
+            </a:r>
+            <a:r>
+              <a:rPr lang="en-GB" sz="2200" dirty="0"/>
+              <a:t> &lt; </a:t>
+            </a:r>
+            <a:r>
+              <a:rPr lang="el-GR" sz="2200" dirty="0"/>
+              <a:t>α </a:t>
+            </a:r>
+            <a:r>
+              <a:rPr lang="en-GB" sz="2200" dirty="0"/>
+              <a:t>/ m + 1 − k</a:t>
+            </a:r>
+          </a:p>
+        </p:txBody>
+      </p:sp>
+      <p:sp>
+        <p:nvSpPr>
+          <p:cNvPr id="3" name="Slide Number Placeholder 2">
+            <a:extLst>
+              <a:ext uri="{FF2B5EF4-FFF2-40B4-BE49-F238E27FC236}">
+                <a16:creationId xmlns:a16="http://schemas.microsoft.com/office/drawing/2014/main" id="{C6E5CD97-EBA1-B146-AC2F-3BBCE1ADE91D}"/>
+              </a:ext>
+            </a:extLst>
+          </p:cNvPr>
+          <p:cNvSpPr>
+            <a:spLocks noGrp="1"/>
+          </p:cNvSpPr>
+          <p:nvPr>
+            <p:ph type="sldNum" sz="quarter" idx="12"/>
+          </p:nvPr>
+        </p:nvSpPr>
+        <p:spPr/>
+        <p:txBody>
+          <a:bodyPr/>
+          <a:lstStyle/>
+          <a:p>
+            <a:fld id="{9F3C1A03-04C2-0846-ADDA-213E9916F0D3}" type="slidenum">
+              <a:rPr lang="en-GB" smtClean="0"/>
+              <a:t>3</a:t>
+            </a:fld>
+            <a:endParaRPr lang="en-GB"/>
+          </a:p>
+        </p:txBody>
+      </p:sp>
+    </p:spTree>
+    <p:extLst>
+      <p:ext uri="{BB962C8B-B14F-4D97-AF65-F5344CB8AC3E}">
+        <p14:creationId xmlns:p14="http://schemas.microsoft.com/office/powerpoint/2010/main" val="2601951424"/>
+      </p:ext>
+    </p:extLst>
+  </p:cSld>
+  <p:clrMapOvr>
+    <a:masterClrMapping/>
+  </p:clrMapOvr>
+</p:sld>
+</file>
+
+<file path=ppt/slides/slide4.xml><?xml version="1.0" encoding="utf-8"?>
+<p:sld xmlns:a="http://schemas.openxmlformats.org/drawingml/2006/main" xmlns:r="http://schemas.openxmlformats.org/officeDocument/2006/relationships" xmlns:p="http://schemas.openxmlformats.org/presentationml/2006/main">
+  <p:cSld>
+    <p:spTree>
+      <p:nvGrpSpPr>
+        <p:cNvPr id="1" name=""/>
+        <p:cNvGrpSpPr/>
+        <p:nvPr/>
+      </p:nvGrpSpPr>
+      <p:grpSpPr>
+        <a:xfrm>
+          <a:off x="0" y="0"/>
+          <a:ext cx="0" cy="0"/>
+          <a:chOff x="0" y="0"/>
+          <a:chExt cx="0" cy="0"/>
+        </a:xfrm>
+      </p:grpSpPr>
+      <p:sp>
+        <p:nvSpPr>
+          <p:cNvPr id="2" name="Title 1">
+            <a:extLst>
+              <a:ext uri="{FF2B5EF4-FFF2-40B4-BE49-F238E27FC236}">
+                <a16:creationId xmlns:a16="http://schemas.microsoft.com/office/drawing/2014/main" id="{67D32647-30F0-3B45-868F-FBC0B1734A50}"/>
+              </a:ext>
+            </a:extLst>
+          </p:cNvPr>
+          <p:cNvSpPr>
+            <a:spLocks noGrp="1"/>
+          </p:cNvSpPr>
+          <p:nvPr>
+            <p:ph type="title"/>
+          </p:nvPr>
+        </p:nvSpPr>
+        <p:spPr>
+          <a:xfrm>
+            <a:off x="1024127" y="402336"/>
+            <a:ext cx="10140401" cy="1219987"/>
+          </a:xfrm>
+        </p:spPr>
+        <p:txBody>
+          <a:bodyPr>
+            <a:normAutofit/>
+          </a:bodyPr>
+          <a:lstStyle/>
+          <a:p>
+            <a:r>
+              <a:rPr lang="en-GB" sz="3600" dirty="0"/>
+              <a:t>Multiple testing – </a:t>
+            </a:r>
+            <a:r>
+              <a:rPr lang="en-GB" sz="3600" dirty="0" err="1"/>
+              <a:t>Benjamini</a:t>
+            </a:r>
+            <a:r>
+              <a:rPr lang="en-GB" sz="3600" dirty="0"/>
+              <a:t>-Hochberg method</a:t>
+            </a:r>
+            <a:endParaRPr lang="en-GB" sz="3600" cap="none" dirty="0">
+              <a:latin typeface="+mn-lt"/>
+            </a:endParaRPr>
+          </a:p>
+        </p:txBody>
+      </p:sp>
+      <p:sp>
+        <p:nvSpPr>
+          <p:cNvPr id="4" name="Content Placeholder 3">
+            <a:extLst>
+              <a:ext uri="{FF2B5EF4-FFF2-40B4-BE49-F238E27FC236}">
+                <a16:creationId xmlns:a16="http://schemas.microsoft.com/office/drawing/2014/main" id="{5F0F6D09-21D1-B445-A0D3-811B8173FDA9}"/>
+              </a:ext>
+            </a:extLst>
+          </p:cNvPr>
+          <p:cNvSpPr>
+            <a:spLocks noGrp="1"/>
+          </p:cNvSpPr>
+          <p:nvPr>
+            <p:ph idx="1"/>
+          </p:nvPr>
+        </p:nvSpPr>
+        <p:spPr>
+          <a:xfrm>
+            <a:off x="1024129" y="1873045"/>
+            <a:ext cx="10140399" cy="4984955"/>
+          </a:xfrm>
+        </p:spPr>
+        <p:txBody>
+          <a:bodyPr>
+            <a:normAutofit/>
+          </a:bodyPr>
+          <a:lstStyle/>
+          <a:p>
+            <a:pPr marL="0" indent="0">
+              <a:buNone/>
+            </a:pPr>
+            <a:r>
+              <a:rPr lang="en-GB" sz="2400" dirty="0"/>
+              <a:t>For given </a:t>
+            </a:r>
+            <a:r>
+              <a:rPr lang="el-GR" sz="2400" dirty="0"/>
+              <a:t>α</a:t>
+            </a:r>
+            <a:r>
+              <a:rPr lang="en-GB" sz="2400" dirty="0"/>
+              <a:t> let k find the largest k such that P</a:t>
+            </a:r>
+            <a:r>
+              <a:rPr lang="en-GB" sz="2400" baseline="-25000" dirty="0"/>
+              <a:t>(k)</a:t>
+            </a:r>
+            <a:r>
+              <a:rPr lang="en-GB" sz="2400" dirty="0"/>
+              <a:t> ≤ (k/m)</a:t>
+            </a:r>
+            <a:r>
+              <a:rPr lang="el-GR" sz="2400" dirty="0"/>
+              <a:t> α</a:t>
+            </a:r>
+            <a:endParaRPr lang="en-GB" sz="2400" dirty="0"/>
+          </a:p>
+          <a:p>
+            <a:pPr marL="0" indent="0">
+              <a:buNone/>
+            </a:pPr>
+            <a:r>
+              <a:rPr lang="en-GB" sz="2400" dirty="0"/>
+              <a:t>and reject null hypothesis H</a:t>
+            </a:r>
+            <a:r>
+              <a:rPr lang="en-GB" sz="2400" baseline="-25000" dirty="0"/>
+              <a:t>i</a:t>
+            </a:r>
+            <a:r>
+              <a:rPr lang="en-GB" sz="2400" dirty="0"/>
+              <a:t> for </a:t>
+            </a:r>
+            <a:r>
+              <a:rPr lang="en-GB" sz="2400" dirty="0" err="1"/>
+              <a:t>i</a:t>
+            </a:r>
+            <a:r>
+              <a:rPr lang="en-GB" sz="2400" dirty="0"/>
+              <a:t>=1,..,k</a:t>
+            </a:r>
+          </a:p>
+          <a:p>
+            <a:pPr marL="811842" lvl="1" indent="-541338">
+              <a:lnSpc>
+                <a:spcPct val="150000"/>
+              </a:lnSpc>
+              <a:buFont typeface="Wingdings" pitchFamily="2" charset="2"/>
+              <a:buChar char="v"/>
+            </a:pPr>
+            <a:endParaRPr lang="en-GB" sz="1600" dirty="0">
+              <a:latin typeface="Menlo" panose="020B0609030804020204" pitchFamily="49" charset="0"/>
+              <a:ea typeface="Menlo" panose="020B0609030804020204" pitchFamily="49" charset="0"/>
+              <a:cs typeface="Menlo" panose="020B0609030804020204" pitchFamily="49" charset="0"/>
+            </a:endParaRPr>
+          </a:p>
+          <a:p>
+            <a:pPr marL="811842" lvl="1" indent="-541338">
+              <a:lnSpc>
+                <a:spcPct val="150000"/>
+              </a:lnSpc>
+              <a:buFont typeface="Wingdings" pitchFamily="2" charset="2"/>
+              <a:buChar char="v"/>
+            </a:pPr>
+            <a:endParaRPr lang="en-GB" sz="2200" dirty="0"/>
+          </a:p>
+          <a:p>
+            <a:pPr marL="811842" lvl="1" indent="-541338">
+              <a:lnSpc>
+                <a:spcPct val="150000"/>
+              </a:lnSpc>
+              <a:buFont typeface="Wingdings" pitchFamily="2" charset="2"/>
+              <a:buChar char="v"/>
+            </a:pPr>
+            <a:endParaRPr lang="en-GB" sz="2200" dirty="0"/>
+          </a:p>
+        </p:txBody>
+      </p:sp>
+      <p:sp>
+        <p:nvSpPr>
+          <p:cNvPr id="3" name="Slide Number Placeholder 2">
+            <a:extLst>
+              <a:ext uri="{FF2B5EF4-FFF2-40B4-BE49-F238E27FC236}">
+                <a16:creationId xmlns:a16="http://schemas.microsoft.com/office/drawing/2014/main" id="{C6E5CD97-EBA1-B146-AC2F-3BBCE1ADE91D}"/>
+              </a:ext>
+            </a:extLst>
+          </p:cNvPr>
+          <p:cNvSpPr>
+            <a:spLocks noGrp="1"/>
+          </p:cNvSpPr>
+          <p:nvPr>
+            <p:ph type="sldNum" sz="quarter" idx="12"/>
+          </p:nvPr>
+        </p:nvSpPr>
+        <p:spPr/>
+        <p:txBody>
+          <a:bodyPr/>
+          <a:lstStyle/>
+          <a:p>
+            <a:fld id="{9F3C1A03-04C2-0846-ADDA-213E9916F0D3}" type="slidenum">
+              <a:rPr lang="en-GB" smtClean="0"/>
+              <a:t>4</a:t>
+            </a:fld>
+            <a:endParaRPr lang="en-GB"/>
+          </a:p>
+        </p:txBody>
+      </p:sp>
+    </p:spTree>
+    <p:extLst>
+      <p:ext uri="{BB962C8B-B14F-4D97-AF65-F5344CB8AC3E}">
+        <p14:creationId xmlns:p14="http://schemas.microsoft.com/office/powerpoint/2010/main" val="2650360599"/>
+      </p:ext>
+    </p:extLst>
+  </p:cSld>
+  <p:clrMapOvr>
+    <a:masterClrMapping/>
+  </p:clrMapOvr>
+</p:sld>
+</file>
+
+<file path=ppt/slides/slide5.xml><?xml version="1.0" encoding="utf-8"?>
+<p:sld xmlns:a="http://schemas.openxmlformats.org/drawingml/2006/main" xmlns:r="http://schemas.openxmlformats.org/officeDocument/2006/relationships" xmlns:p="http://schemas.openxmlformats.org/presentationml/2006/main">
+  <p:cSld>
+    <p:spTree>
+      <p:nvGrpSpPr>
+        <p:cNvPr id="1" name=""/>
+        <p:cNvGrpSpPr/>
+        <p:nvPr/>
+      </p:nvGrpSpPr>
+      <p:grpSpPr>
+        <a:xfrm>
+          <a:off x="0" y="0"/>
+          <a:ext cx="0" cy="0"/>
+          <a:chOff x="0" y="0"/>
+          <a:chExt cx="0" cy="0"/>
+        </a:xfrm>
+      </p:grpSpPr>
+      <p:sp>
+        <p:nvSpPr>
           <p:cNvPr id="2" name="TextBox 1">
             <a:extLst>
               <a:ext uri="{FF2B5EF4-FFF2-40B4-BE49-F238E27FC236}">
@@ -25230,7 +26241,7 @@
 </p:sld>
 </file>
 
-<file path=ppt/slides/slide4.xml><?xml version="1.0" encoding="utf-8"?>
+<file path=ppt/slides/slide6.xml><?xml version="1.0" encoding="utf-8"?>
 <p:sld xmlns:a="http://schemas.openxmlformats.org/drawingml/2006/main" xmlns:r="http://schemas.openxmlformats.org/officeDocument/2006/relationships" xmlns:p="http://schemas.openxmlformats.org/presentationml/2006/main">
   <p:cSld>
     <p:spTree>
@@ -25353,7 +26364,7 @@
 </p:sld>
 </file>
 
-<file path=ppt/slides/slide5.xml><?xml version="1.0" encoding="utf-8"?>
+<file path=ppt/slides/slide7.xml><?xml version="1.0" encoding="utf-8"?>
 <p:sld xmlns:a="http://schemas.openxmlformats.org/drawingml/2006/main" xmlns:r="http://schemas.openxmlformats.org/officeDocument/2006/relationships" xmlns:p="http://schemas.openxmlformats.org/presentationml/2006/main">
   <p:cSld>
     <p:spTree>
@@ -25540,7 +26551,7 @@
 </p:sld>
 </file>
 
-<file path=ppt/slides/slide6.xml><?xml version="1.0" encoding="utf-8"?>
+<file path=ppt/slides/slide8.xml><?xml version="1.0" encoding="utf-8"?>
 <p:sld xmlns:a="http://schemas.openxmlformats.org/drawingml/2006/main" xmlns:r="http://schemas.openxmlformats.org/officeDocument/2006/relationships" xmlns:p="http://schemas.openxmlformats.org/presentationml/2006/main">
   <p:cSld>
     <p:spTree>
@@ -25628,7 +26639,7 @@
 </p:sld>
 </file>
 
-<file path=ppt/slides/slide7.xml><?xml version="1.0" encoding="utf-8"?>
+<file path=ppt/slides/slide9.xml><?xml version="1.0" encoding="utf-8"?>
 <p:sld xmlns:a="http://schemas.openxmlformats.org/drawingml/2006/main" xmlns:r="http://schemas.openxmlformats.org/officeDocument/2006/relationships" xmlns:p="http://schemas.openxmlformats.org/presentationml/2006/main">
   <p:cSld>
     <p:spTree>
@@ -25713,298 +26724,6 @@
     <p:extLst>
       <p:ext uri="{BB962C8B-B14F-4D97-AF65-F5344CB8AC3E}">
         <p14:creationId xmlns:p14="http://schemas.microsoft.com/office/powerpoint/2010/main" val="3322084906"/>
-      </p:ext>
-    </p:extLst>
-  </p:cSld>
-  <p:clrMapOvr>
-    <a:masterClrMapping/>
-  </p:clrMapOvr>
-</p:sld>
-</file>
-
-<file path=ppt/slides/slide8.xml><?xml version="1.0" encoding="utf-8"?>
-<p:sld xmlns:a="http://schemas.openxmlformats.org/drawingml/2006/main" xmlns:r="http://schemas.openxmlformats.org/officeDocument/2006/relationships" xmlns:p="http://schemas.openxmlformats.org/presentationml/2006/main">
-  <p:cSld>
-    <p:spTree>
-      <p:nvGrpSpPr>
-        <p:cNvPr id="1" name=""/>
-        <p:cNvGrpSpPr/>
-        <p:nvPr/>
-      </p:nvGrpSpPr>
-      <p:grpSpPr>
-        <a:xfrm>
-          <a:off x="0" y="0"/>
-          <a:ext cx="0" cy="0"/>
-          <a:chOff x="0" y="0"/>
-          <a:chExt cx="0" cy="0"/>
-        </a:xfrm>
-      </p:grpSpPr>
-      <p:sp>
-        <p:nvSpPr>
-          <p:cNvPr id="4" name="Title 3">
-            <a:extLst>
-              <a:ext uri="{FF2B5EF4-FFF2-40B4-BE49-F238E27FC236}">
-                <a16:creationId xmlns:a16="http://schemas.microsoft.com/office/drawing/2014/main" id="{960BCB57-89CA-12C9-8820-D9D7ADEF4F65}"/>
-              </a:ext>
-            </a:extLst>
-          </p:cNvPr>
-          <p:cNvSpPr>
-            <a:spLocks noGrp="1"/>
-          </p:cNvSpPr>
-          <p:nvPr>
-            <p:ph type="title"/>
-          </p:nvPr>
-        </p:nvSpPr>
-        <p:spPr/>
-        <p:txBody>
-          <a:bodyPr/>
-          <a:lstStyle/>
-          <a:p>
-            <a:r>
-              <a:rPr lang="en-US" dirty="0"/>
-              <a:t>Gene weightings applied to human data</a:t>
-            </a:r>
-            <a:br>
-              <a:rPr lang="en-US" dirty="0"/>
-            </a:br>
-            <a:r>
-              <a:rPr lang="en-US" dirty="0"/>
-              <a:t>(Rats after 24 hr)</a:t>
-            </a:r>
-          </a:p>
-        </p:txBody>
-      </p:sp>
-      <p:pic>
-        <p:nvPicPr>
-          <p:cNvPr id="3" name="Picture 2">
-            <a:extLst>
-              <a:ext uri="{FF2B5EF4-FFF2-40B4-BE49-F238E27FC236}">
-                <a16:creationId xmlns:a16="http://schemas.microsoft.com/office/drawing/2014/main" id="{F339FA6D-1F3F-1523-350C-3B34D85A1D52}"/>
-              </a:ext>
-            </a:extLst>
-          </p:cNvPr>
-          <p:cNvPicPr>
-            <a:picLocks noChangeAspect="1"/>
-          </p:cNvPicPr>
-          <p:nvPr/>
-        </p:nvPicPr>
-        <p:blipFill>
-          <a:blip r:embed="rId3"/>
-          <a:stretch>
-            <a:fillRect/>
-          </a:stretch>
-        </p:blipFill>
-        <p:spPr>
-          <a:xfrm>
-            <a:off x="5723959" y="1779588"/>
-            <a:ext cx="5854700" cy="4394200"/>
-          </a:xfrm>
-          <a:prstGeom prst="rect">
-            <a:avLst/>
-          </a:prstGeom>
-        </p:spPr>
-      </p:pic>
-      <p:pic>
-        <p:nvPicPr>
-          <p:cNvPr id="6" name="Picture 5">
-            <a:extLst>
-              <a:ext uri="{FF2B5EF4-FFF2-40B4-BE49-F238E27FC236}">
-                <a16:creationId xmlns:a16="http://schemas.microsoft.com/office/drawing/2014/main" id="{CD40A907-B40F-E113-AEDA-FC01E07E4395}"/>
-              </a:ext>
-            </a:extLst>
-          </p:cNvPr>
-          <p:cNvPicPr>
-            <a:picLocks noChangeAspect="1"/>
-          </p:cNvPicPr>
-          <p:nvPr/>
-        </p:nvPicPr>
-        <p:blipFill>
-          <a:blip r:embed="rId4"/>
-          <a:srcRect/>
-          <a:stretch/>
-        </p:blipFill>
-        <p:spPr>
-          <a:xfrm>
-            <a:off x="1711891" y="1690688"/>
-            <a:ext cx="3657600" cy="4572000"/>
-          </a:xfrm>
-          <a:prstGeom prst="rect">
-            <a:avLst/>
-          </a:prstGeom>
-        </p:spPr>
-      </p:pic>
-    </p:spTree>
-    <p:extLst>
-      <p:ext uri="{BB962C8B-B14F-4D97-AF65-F5344CB8AC3E}">
-        <p14:creationId xmlns:p14="http://schemas.microsoft.com/office/powerpoint/2010/main" val="1599003704"/>
-      </p:ext>
-    </p:extLst>
-  </p:cSld>
-  <p:clrMapOvr>
-    <a:masterClrMapping/>
-  </p:clrMapOvr>
-</p:sld>
-</file>
-
-<file path=ppt/slides/slide9.xml><?xml version="1.0" encoding="utf-8"?>
-<p:sld xmlns:a="http://schemas.openxmlformats.org/drawingml/2006/main" xmlns:r="http://schemas.openxmlformats.org/officeDocument/2006/relationships" xmlns:p="http://schemas.openxmlformats.org/presentationml/2006/main">
-  <p:cSld>
-    <p:spTree>
-      <p:nvGrpSpPr>
-        <p:cNvPr id="1" name=""/>
-        <p:cNvGrpSpPr/>
-        <p:nvPr/>
-      </p:nvGrpSpPr>
-      <p:grpSpPr>
-        <a:xfrm>
-          <a:off x="0" y="0"/>
-          <a:ext cx="0" cy="0"/>
-          <a:chOff x="0" y="0"/>
-          <a:chExt cx="0" cy="0"/>
-        </a:xfrm>
-      </p:grpSpPr>
-      <p:sp>
-        <p:nvSpPr>
-          <p:cNvPr id="2" name="TextBox 1">
-            <a:extLst>
-              <a:ext uri="{FF2B5EF4-FFF2-40B4-BE49-F238E27FC236}">
-                <a16:creationId xmlns:a16="http://schemas.microsoft.com/office/drawing/2014/main" id="{010569A0-A1A8-994E-91DC-95FD3601D6EF}"/>
-              </a:ext>
-            </a:extLst>
-          </p:cNvPr>
-          <p:cNvSpPr txBox="1"/>
-          <p:nvPr/>
-        </p:nvSpPr>
-        <p:spPr>
-          <a:xfrm>
-            <a:off x="435078" y="479323"/>
-            <a:ext cx="10685206" cy="1569660"/>
-          </a:xfrm>
-          <a:prstGeom prst="rect">
-            <a:avLst/>
-          </a:prstGeom>
-          <a:noFill/>
-        </p:spPr>
-        <p:txBody>
-          <a:bodyPr wrap="square" rtlCol="0">
-            <a:spAutoFit/>
-          </a:bodyPr>
-          <a:lstStyle/>
-          <a:p>
-            <a:pPr algn="ctr"/>
-            <a:r>
-              <a:rPr lang="en-GB" sz="4800" dirty="0"/>
-              <a:t>miRNA in Rat TBI models compared to Human TBI</a:t>
-            </a:r>
-          </a:p>
-        </p:txBody>
-      </p:sp>
-      <p:sp>
-        <p:nvSpPr>
-          <p:cNvPr id="3" name="TextBox 2">
-            <a:extLst>
-              <a:ext uri="{FF2B5EF4-FFF2-40B4-BE49-F238E27FC236}">
-                <a16:creationId xmlns:a16="http://schemas.microsoft.com/office/drawing/2014/main" id="{DD1D1466-D097-2529-AD22-105C7F61A7F5}"/>
-              </a:ext>
-            </a:extLst>
-          </p:cNvPr>
-          <p:cNvSpPr txBox="1"/>
-          <p:nvPr/>
-        </p:nvSpPr>
-        <p:spPr>
-          <a:xfrm>
-            <a:off x="914400" y="2542784"/>
-            <a:ext cx="7796814" cy="2031325"/>
-          </a:xfrm>
-          <a:prstGeom prst="rect">
-            <a:avLst/>
-          </a:prstGeom>
-          <a:noFill/>
-        </p:spPr>
-        <p:txBody>
-          <a:bodyPr wrap="none" rtlCol="0">
-            <a:spAutoFit/>
-          </a:bodyPr>
-          <a:lstStyle/>
-          <a:p>
-            <a:pPr marL="285750" indent="-285750">
-              <a:buFont typeface="Arial" panose="020B0604020202020204" pitchFamily="34" charset="0"/>
-              <a:buChar char="•"/>
-            </a:pPr>
-            <a:r>
-              <a:rPr lang="en-US" b="1" dirty="0">
-                <a:solidFill>
-                  <a:srgbClr val="FF0000"/>
-                </a:solidFill>
-              </a:rPr>
-              <a:t>Do the differences in miRNA for rat models of TBI translate to humans? </a:t>
-            </a:r>
-            <a:r>
-              <a:rPr lang="en-US" b="1" dirty="0">
-                <a:solidFill>
-                  <a:srgbClr val="002060"/>
-                </a:solidFill>
-              </a:rPr>
-              <a:t>YES</a:t>
-            </a:r>
-          </a:p>
-          <a:p>
-            <a:pPr marL="285750" indent="-285750">
-              <a:buFont typeface="Arial" panose="020B0604020202020204" pitchFamily="34" charset="0"/>
-              <a:buChar char="•"/>
-            </a:pPr>
-            <a:endParaRPr lang="en-US" dirty="0"/>
-          </a:p>
-          <a:p>
-            <a:pPr marL="742950" lvl="1" indent="-285750">
-              <a:buFont typeface="Arial" panose="020B0604020202020204" pitchFamily="34" charset="0"/>
-              <a:buChar char="•"/>
-            </a:pPr>
-            <a:r>
-              <a:rPr lang="en-US" b="1" dirty="0"/>
-              <a:t>Do the biofluids of the rats or humans matter for miRNA measurement?</a:t>
-            </a:r>
-          </a:p>
-          <a:p>
-            <a:pPr marL="742950" lvl="1" indent="-285750">
-              <a:buFont typeface="Arial" panose="020B0604020202020204" pitchFamily="34" charset="0"/>
-              <a:buChar char="•"/>
-            </a:pPr>
-            <a:endParaRPr lang="en-US" b="1" dirty="0"/>
-          </a:p>
-          <a:p>
-            <a:pPr marL="742950" lvl="1" indent="-285750">
-              <a:buFont typeface="Arial" panose="020B0604020202020204" pitchFamily="34" charset="0"/>
-              <a:buChar char="•"/>
-            </a:pPr>
-            <a:r>
-              <a:rPr lang="en-US" dirty="0"/>
-              <a:t>Does data from male rats comparable to sex differences in humans?</a:t>
-            </a:r>
-          </a:p>
-          <a:p>
-            <a:pPr marL="742950" lvl="1" indent="-285750">
-              <a:buFont typeface="Arial" panose="020B0604020202020204" pitchFamily="34" charset="0"/>
-              <a:buChar char="•"/>
-            </a:pPr>
-            <a:endParaRPr lang="en-US" dirty="0"/>
-          </a:p>
-          <a:p>
-            <a:pPr marL="742950" lvl="1" indent="-285750">
-              <a:buFont typeface="Arial" panose="020B0604020202020204" pitchFamily="34" charset="0"/>
-              <a:buChar char="•"/>
-            </a:pPr>
-            <a:r>
-              <a:rPr lang="en-US" dirty="0"/>
-              <a:t>Does the type of TBI injury matter?</a:t>
-            </a:r>
-          </a:p>
-        </p:txBody>
-      </p:sp>
-    </p:spTree>
-    <p:extLst>
-      <p:ext uri="{BB962C8B-B14F-4D97-AF65-F5344CB8AC3E}">
-        <p14:creationId xmlns:p14="http://schemas.microsoft.com/office/powerpoint/2010/main" val="2650926682"/>
       </p:ext>
     </p:extLst>
   </p:cSld>
